--- a/CF-session4.pptx
+++ b/CF-session4.pptx
@@ -5,10 +5,10 @@
     <p:sldMasterId id="2147483659" r:id="rId1"/>
   </p:sldMasterIdLst>
   <p:notesMasterIdLst>
-    <p:notesMasterId r:id="rId21"/>
+    <p:notesMasterId r:id="rId22"/>
   </p:notesMasterIdLst>
   <p:handoutMasterIdLst>
-    <p:handoutMasterId r:id="rId22"/>
+    <p:handoutMasterId r:id="rId23"/>
   </p:handoutMasterIdLst>
   <p:sldIdLst>
     <p:sldId id="256" r:id="rId2"/>
@@ -30,6 +30,7 @@
     <p:sldId id="273" r:id="rId18"/>
     <p:sldId id="274" r:id="rId19"/>
     <p:sldId id="275" r:id="rId20"/>
+    <p:sldId id="276" r:id="rId21"/>
   </p:sldIdLst>
   <p:sldSz cx="12192000" cy="6858000"/>
   <p:notesSz cx="6858000" cy="9144000"/>
@@ -259,6 +260,7 @@
             <p14:sldId id="273"/>
             <p14:sldId id="274"/>
             <p14:sldId id="275"/>
+            <p14:sldId id="276"/>
           </p14:sldIdLst>
         </p14:section>
       </p14:sectionLst>
@@ -4040,7 +4042,7 @@
           <a:p>
             <a:fld id="{FEE2AD38-B67D-4C69-B513-F740A2BBE1BA}" type="datetimeFigureOut">
               <a:rPr lang="en-GB" smtClean="0"/>
-              <a:t>23/02/2017</a:t>
+              <a:t>02/03/2017</a:t>
             </a:fld>
             <a:endParaRPr lang="en-GB"/>
           </a:p>
@@ -17640,25 +17642,31 @@
           <a:lstStyle/>
           <a:p>
             <a:r>
-              <a:rPr lang="en-US"/>
-              <a:t> Obtain the weather for different cities using the script you developed</a:t>
+              <a:rPr lang="en-US" dirty="0"/>
+              <a:t> Obtain the weather for different cities using the script provided</a:t>
             </a:r>
           </a:p>
           <a:p>
             <a:r>
-              <a:rPr lang="en-US"/>
+              <a:rPr lang="en-US" dirty="0"/>
+              <a:t> Modify the script such that the user can input a city and gets the weather conditions displayed in the terminal </a:t>
+            </a:r>
+          </a:p>
+          <a:p>
+            <a:r>
+              <a:rPr lang="en-US" dirty="0"/>
               <a:t> Use your knowledge to use The </a:t>
             </a:r>
             <a:r>
-              <a:rPr lang="en-US" err="1"/>
+              <a:rPr lang="en-US" dirty="0" err="1"/>
               <a:t>Giphy</a:t>
             </a:r>
             <a:r>
-              <a:rPr lang="en-US"/>
+              <a:rPr lang="en-US" dirty="0"/>
               <a:t> API ( </a:t>
             </a:r>
             <a:r>
-              <a:rPr lang="en-US">
+              <a:rPr lang="en-US" dirty="0">
                 <a:solidFill>
                   <a:schemeClr val="tx1"/>
                 </a:solidFill>
@@ -17667,14 +17675,14 @@
               <a:t>https://api.giphy.com</a:t>
             </a:r>
             <a:r>
-              <a:rPr lang="en-US">
+              <a:rPr lang="en-US" dirty="0">
                 <a:solidFill>
                   <a:schemeClr val="tx1"/>
                 </a:solidFill>
               </a:rPr>
               <a:t>) to get the first GIF returned from doing a search for a user's favorite animal </a:t>
             </a:r>
-            <a:endParaRPr lang="en-US">
+            <a:endParaRPr lang="en-US" dirty="0">
               <a:solidFill>
                 <a:schemeClr val="tx1"/>
               </a:solidFill>
@@ -17685,7 +17693,7 @@
             <a:pPr marL="177800" indent="0">
               <a:buNone/>
             </a:pPr>
-            <a:endParaRPr lang="en-US">
+            <a:endParaRPr lang="en-US" dirty="0">
               <a:solidFill>
                 <a:schemeClr val="tx1"/>
               </a:solidFill>
@@ -18717,6 +18725,136 @@
         </p:txBody>
       </p:sp>
     </p:spTree>
+  </p:cSld>
+  <p:clrMapOvr>
+    <a:masterClrMapping/>
+  </p:clrMapOvr>
+</p:sld>
+</file>
+
+<file path=ppt/slides/slide20.xml><?xml version="1.0" encoding="utf-8"?>
+<p:sld xmlns:a="http://schemas.openxmlformats.org/drawingml/2006/main" xmlns:r="http://schemas.openxmlformats.org/officeDocument/2006/relationships" xmlns:p="http://schemas.openxmlformats.org/presentationml/2006/main">
+  <p:cSld>
+    <p:spTree>
+      <p:nvGrpSpPr>
+        <p:cNvPr id="1" name=""/>
+        <p:cNvGrpSpPr/>
+        <p:nvPr/>
+      </p:nvGrpSpPr>
+      <p:grpSpPr>
+        <a:xfrm>
+          <a:off x="0" y="0"/>
+          <a:ext cx="0" cy="0"/>
+          <a:chOff x="0" y="0"/>
+          <a:chExt cx="0" cy="0"/>
+        </a:xfrm>
+      </p:grpSpPr>
+      <p:sp>
+        <p:nvSpPr>
+          <p:cNvPr id="3" name="Text Placeholder 2"/>
+          <p:cNvSpPr>
+            <a:spLocks noGrp="1"/>
+          </p:cNvSpPr>
+          <p:nvPr>
+            <p:ph type="body" idx="1"/>
+          </p:nvPr>
+        </p:nvSpPr>
+        <p:spPr>
+          <a:xfrm>
+            <a:off x="838200" y="874643"/>
+            <a:ext cx="10515599" cy="5717189"/>
+          </a:xfrm>
+        </p:spPr>
+        <p:txBody>
+          <a:bodyPr/>
+          <a:lstStyle/>
+          <a:p>
+            <a:r>
+              <a:rPr lang="en-GB" dirty="0"/>
+              <a:t> Look at your local copy of the CF python repository and locate the “Twitter” folder, we will use the base scripts provided to:</a:t>
+            </a:r>
+          </a:p>
+          <a:p>
+            <a:pPr lvl="1"/>
+            <a:r>
+              <a:rPr lang="en-GB" dirty="0"/>
+              <a:t> Collect tweets from your timeline</a:t>
+            </a:r>
+          </a:p>
+          <a:p>
+            <a:pPr lvl="1"/>
+            <a:r>
+              <a:rPr lang="en-GB" dirty="0"/>
+              <a:t> Search for tweets containing a key word / hashtag</a:t>
+            </a:r>
+          </a:p>
+          <a:p>
+            <a:pPr lvl="1"/>
+            <a:r>
+              <a:rPr lang="en-GB" dirty="0"/>
+              <a:t> Tweet using Python</a:t>
+            </a:r>
+          </a:p>
+          <a:p>
+            <a:pPr lvl="1"/>
+            <a:endParaRPr lang="en-GB" dirty="0"/>
+          </a:p>
+          <a:p>
+            <a:pPr lvl="1"/>
+            <a:endParaRPr lang="en-GB" dirty="0"/>
+          </a:p>
+          <a:p>
+            <a:pPr marL="609600" lvl="1" indent="0">
+              <a:buNone/>
+            </a:pPr>
+            <a:r>
+              <a:rPr lang="en-GB" dirty="0">
+                <a:solidFill>
+                  <a:schemeClr val="accent4"/>
+                </a:solidFill>
+              </a:rPr>
+              <a:t>Extras:</a:t>
+            </a:r>
+          </a:p>
+          <a:p>
+            <a:pPr marL="609600" lvl="1" indent="0">
+              <a:buNone/>
+            </a:pPr>
+            <a:r>
+              <a:rPr lang="en-GB" dirty="0">
+                <a:solidFill>
+                  <a:schemeClr val="accent4"/>
+                </a:solidFill>
+              </a:rPr>
+              <a:t>Using Python get a list of the Code First girls </a:t>
+            </a:r>
+            <a:r>
+              <a:rPr lang="en-GB">
+                <a:solidFill>
+                  <a:schemeClr val="accent4"/>
+                </a:solidFill>
+              </a:rPr>
+              <a:t>twitter account</a:t>
+            </a:r>
+          </a:p>
+          <a:p>
+            <a:pPr marL="609600" lvl="1" indent="0">
+              <a:buNone/>
+            </a:pPr>
+            <a:endParaRPr lang="en-GB" dirty="0">
+              <a:solidFill>
+                <a:schemeClr val="tx1"/>
+              </a:solidFill>
+            </a:endParaRPr>
+          </a:p>
+        </p:txBody>
+      </p:sp>
+    </p:spTree>
+    <p:extLst>
+      <p:ext uri="{BB962C8B-B14F-4D97-AF65-F5344CB8AC3E}">
+        <p14:creationId xmlns:p14="http://schemas.microsoft.com/office/powerpoint/2010/main" val="3901316668"/>
+      </p:ext>
+    </p:extLst>
   </p:cSld>
   <p:clrMapOvr>
     <a:masterClrMapping/>

--- a/CF-session4.pptx
+++ b/CF-session4.pptx
@@ -18826,15 +18826,7 @@
                   <a:schemeClr val="accent4"/>
                 </a:solidFill>
               </a:rPr>
-              <a:t>Using Python get a list of the Code First girls </a:t>
-            </a:r>
-            <a:r>
-              <a:rPr lang="en-GB">
-                <a:solidFill>
-                  <a:schemeClr val="accent4"/>
-                </a:solidFill>
-              </a:rPr>
-              <a:t>twitter account</a:t>
+              <a:t>Using Python get a list of the Code First girls twitter account</a:t>
             </a:r>
           </a:p>
           <a:p>
